--- a/docs/diagrams/SecurityComponentClassDiagram.pptx
+++ b/docs/diagrams/SecurityComponentClassDiagram.pptx
@@ -208,7 +208,7 @@
           <a:p>
             <a:fld id="{F5CC4B3F-88C1-4FFA-B1B6-F41C21DC6924}" type="datetimeFigureOut">
               <a:rPr lang="en-US" smtClean="0"/>
-              <a:t>10/11/2018</a:t>
+              <a:t>10/28/2018</a:t>
             </a:fld>
             <a:endParaRPr lang="en-US"/>
           </a:p>
@@ -654,7 +654,7 @@
           <a:p>
             <a:fld id="{78C97017-6FC3-485B-9764-EAC9E56C1D49}" type="datetimeFigureOut">
               <a:rPr lang="en-US" smtClean="0"/>
-              <a:t>10/11/2018</a:t>
+              <a:t>10/28/2018</a:t>
             </a:fld>
             <a:endParaRPr lang="en-US"/>
           </a:p>
@@ -822,7 +822,7 @@
           <a:p>
             <a:fld id="{78C97017-6FC3-485B-9764-EAC9E56C1D49}" type="datetimeFigureOut">
               <a:rPr lang="en-US" smtClean="0"/>
-              <a:t>10/11/2018</a:t>
+              <a:t>10/28/2018</a:t>
             </a:fld>
             <a:endParaRPr lang="en-US"/>
           </a:p>
@@ -1000,7 +1000,7 @@
           <a:p>
             <a:fld id="{78C97017-6FC3-485B-9764-EAC9E56C1D49}" type="datetimeFigureOut">
               <a:rPr lang="en-US" smtClean="0"/>
-              <a:t>10/11/2018</a:t>
+              <a:t>10/28/2018</a:t>
             </a:fld>
             <a:endParaRPr lang="en-US"/>
           </a:p>
@@ -1168,7 +1168,7 @@
           <a:p>
             <a:fld id="{78C97017-6FC3-485B-9764-EAC9E56C1D49}" type="datetimeFigureOut">
               <a:rPr lang="en-US" smtClean="0"/>
-              <a:t>10/11/2018</a:t>
+              <a:t>10/28/2018</a:t>
             </a:fld>
             <a:endParaRPr lang="en-US"/>
           </a:p>
@@ -1413,7 +1413,7 @@
           <a:p>
             <a:fld id="{78C97017-6FC3-485B-9764-EAC9E56C1D49}" type="datetimeFigureOut">
               <a:rPr lang="en-US" smtClean="0"/>
-              <a:t>10/11/2018</a:t>
+              <a:t>10/28/2018</a:t>
             </a:fld>
             <a:endParaRPr lang="en-US"/>
           </a:p>
@@ -1698,7 +1698,7 @@
           <a:p>
             <a:fld id="{78C97017-6FC3-485B-9764-EAC9E56C1D49}" type="datetimeFigureOut">
               <a:rPr lang="en-US" smtClean="0"/>
-              <a:t>10/11/2018</a:t>
+              <a:t>10/28/2018</a:t>
             </a:fld>
             <a:endParaRPr lang="en-US"/>
           </a:p>
@@ -2117,7 +2117,7 @@
           <a:p>
             <a:fld id="{78C97017-6FC3-485B-9764-EAC9E56C1D49}" type="datetimeFigureOut">
               <a:rPr lang="en-US" smtClean="0"/>
-              <a:t>10/11/2018</a:t>
+              <a:t>10/28/2018</a:t>
             </a:fld>
             <a:endParaRPr lang="en-US"/>
           </a:p>
@@ -2234,7 +2234,7 @@
           <a:p>
             <a:fld id="{78C97017-6FC3-485B-9764-EAC9E56C1D49}" type="datetimeFigureOut">
               <a:rPr lang="en-US" smtClean="0"/>
-              <a:t>10/11/2018</a:t>
+              <a:t>10/28/2018</a:t>
             </a:fld>
             <a:endParaRPr lang="en-US"/>
           </a:p>
@@ -2329,7 +2329,7 @@
           <a:p>
             <a:fld id="{78C97017-6FC3-485B-9764-EAC9E56C1D49}" type="datetimeFigureOut">
               <a:rPr lang="en-US" smtClean="0"/>
-              <a:t>10/11/2018</a:t>
+              <a:t>10/28/2018</a:t>
             </a:fld>
             <a:endParaRPr lang="en-US"/>
           </a:p>
@@ -2604,7 +2604,7 @@
           <a:p>
             <a:fld id="{78C97017-6FC3-485B-9764-EAC9E56C1D49}" type="datetimeFigureOut">
               <a:rPr lang="en-US" smtClean="0"/>
-              <a:t>10/11/2018</a:t>
+              <a:t>10/28/2018</a:t>
             </a:fld>
             <a:endParaRPr lang="en-US"/>
           </a:p>
@@ -2856,7 +2856,7 @@
           <a:p>
             <a:fld id="{78C97017-6FC3-485B-9764-EAC9E56C1D49}" type="datetimeFigureOut">
               <a:rPr lang="en-US" smtClean="0"/>
-              <a:t>10/11/2018</a:t>
+              <a:t>10/28/2018</a:t>
             </a:fld>
             <a:endParaRPr lang="en-US"/>
           </a:p>
@@ -3067,7 +3067,7 @@
           <a:p>
             <a:fld id="{78C97017-6FC3-485B-9764-EAC9E56C1D49}" type="datetimeFigureOut">
               <a:rPr lang="en-US" smtClean="0"/>
-              <a:t>10/11/2018</a:t>
+              <a:t>10/28/2018</a:t>
             </a:fld>
             <a:endParaRPr lang="en-US"/>
           </a:p>
@@ -3450,7 +3450,7 @@
         </p:nvSpPr>
         <p:spPr>
           <a:xfrm>
-            <a:off x="1217465" y="1447800"/>
+            <a:off x="1066800" y="1419769"/>
             <a:ext cx="4917083" cy="2418259"/>
           </a:xfrm>
           <a:prstGeom prst="roundRect">
@@ -3459,7 +3459,7 @@
             </a:avLst>
           </a:prstGeom>
           <a:solidFill>
-            <a:srgbClr val="F1F5E9"/>
+            <a:schemeClr val="tx1"/>
           </a:solidFill>
           <a:ln w="19050">
             <a:noFill/>
@@ -3487,18 +3487,14 @@
             <a:r>
               <a:rPr lang="en-US" sz="1200" b="1" dirty="0">
                 <a:solidFill>
-                  <a:schemeClr val="accent3">
-                    <a:lumMod val="75000"/>
-                  </a:schemeClr>
+                  <a:schemeClr val="bg1"/>
                 </a:solidFill>
               </a:rPr>
               <a:t>Security</a:t>
             </a:r>
             <a:endParaRPr lang="en-SG" sz="1200" b="1" dirty="0">
               <a:solidFill>
-                <a:schemeClr val="accent3">
-                  <a:lumMod val="75000"/>
-                </a:schemeClr>
+                <a:schemeClr val="bg1"/>
               </a:solidFill>
             </a:endParaRPr>
           </a:p>
@@ -3512,15 +3508,18 @@
         </p:nvSpPr>
         <p:spPr>
           <a:xfrm>
-            <a:off x="2095948" y="2341220"/>
-            <a:ext cx="1093635" cy="346760"/>
+            <a:off x="2137429" y="2015440"/>
+            <a:ext cx="1219200" cy="346760"/>
           </a:xfrm>
           <a:prstGeom prst="rect">
             <a:avLst/>
           </a:prstGeom>
+          <a:solidFill>
+            <a:schemeClr val="bg1"/>
+          </a:solidFill>
           <a:ln w="19050">
             <a:solidFill>
-              <a:schemeClr val="accent3"/>
+              <a:schemeClr val="bg1"/>
             </a:solidFill>
           </a:ln>
           <a:effectLst/>
@@ -3545,20 +3544,16 @@
           <a:p>
             <a:pPr algn="ctr"/>
             <a:r>
-              <a:rPr lang="en-US" sz="1050" b="1" dirty="0">
+              <a:rPr lang="en-US" sz="1050" b="1" dirty="0" err="1">
                 <a:solidFill>
-                  <a:schemeClr val="accent3">
-                    <a:lumMod val="75000"/>
-                  </a:schemeClr>
+                  <a:schemeClr val="tx1"/>
                 </a:solidFill>
               </a:rPr>
-              <a:t>Security :Security</a:t>
+              <a:t>SecurityManager</a:t>
             </a:r>
             <a:endParaRPr lang="en-SG" sz="1050" b="1" dirty="0">
               <a:solidFill>
-                <a:schemeClr val="accent3">
-                  <a:lumMod val="75000"/>
-                </a:schemeClr>
+                <a:schemeClr val="tx1"/>
               </a:solidFill>
             </a:endParaRPr>
           </a:p>
@@ -3572,15 +3567,18 @@
         </p:nvSpPr>
         <p:spPr>
           <a:xfrm>
-            <a:off x="2592528" y="2971800"/>
-            <a:ext cx="1093635" cy="236841"/>
+            <a:off x="2971800" y="2651155"/>
+            <a:ext cx="1387737" cy="236841"/>
           </a:xfrm>
           <a:prstGeom prst="rect">
             <a:avLst/>
           </a:prstGeom>
+          <a:solidFill>
+            <a:schemeClr val="bg1"/>
+          </a:solidFill>
           <a:ln w="19050">
             <a:solidFill>
-              <a:schemeClr val="accent3"/>
+              <a:schemeClr val="bg1"/>
             </a:solidFill>
           </a:ln>
           <a:effectLst/>
@@ -3605,20 +3603,16 @@
           <a:p>
             <a:pPr algn="ctr"/>
             <a:r>
-              <a:rPr lang="en-US" sz="1050" b="1" dirty="0">
+              <a:rPr lang="en-US" sz="1050" b="1" dirty="0" err="1">
                 <a:solidFill>
-                  <a:schemeClr val="accent3">
-                    <a:lumMod val="75000"/>
-                  </a:schemeClr>
+                  <a:schemeClr val="tx1"/>
                 </a:solidFill>
               </a:rPr>
-              <a:t>:User</a:t>
+              <a:t>AppUsers</a:t>
             </a:r>
             <a:endParaRPr lang="en-SG" sz="1050" b="1" dirty="0">
               <a:solidFill>
-                <a:schemeClr val="accent3">
-                  <a:lumMod val="75000"/>
-                </a:schemeClr>
+                <a:schemeClr val="tx1"/>
               </a:solidFill>
             </a:endParaRPr>
           </a:p>
@@ -3632,7 +3626,7 @@
         </p:nvCxnSpPr>
         <p:spPr>
           <a:xfrm flipV="1">
-            <a:off x="644735" y="2991937"/>
+            <a:off x="696886" y="2362200"/>
             <a:ext cx="684904" cy="1"/>
           </a:xfrm>
           <a:prstGeom prst="bentConnector3">
@@ -3675,8 +3669,8 @@
         </p:nvSpPr>
         <p:spPr>
           <a:xfrm rot="16200000">
-            <a:off x="5703829" y="2464877"/>
-            <a:ext cx="2362201" cy="328045"/>
+            <a:off x="5142006" y="2360441"/>
+            <a:ext cx="2390231" cy="536912"/>
           </a:xfrm>
           <a:prstGeom prst="roundRect">
             <a:avLst/>
@@ -3717,7 +3711,7 @@
                   <a:schemeClr val="bg1"/>
                 </a:solidFill>
               </a:rPr>
-              <a:t>Model</a:t>
+              <a:t>Logic</a:t>
             </a:r>
             <a:endParaRPr lang="en-SG" sz="1100" b="1" dirty="0">
               <a:solidFill>
@@ -3735,18 +3729,18 @@
         </p:nvSpPr>
         <p:spPr>
           <a:xfrm>
-            <a:off x="2324548" y="2706452"/>
+            <a:off x="2604544" y="2402736"/>
             <a:ext cx="183156" cy="161573"/>
           </a:xfrm>
           <a:prstGeom prst="flowChartDecision">
             <a:avLst/>
           </a:prstGeom>
           <a:solidFill>
-            <a:schemeClr val="accent3"/>
+            <a:schemeClr val="tx1"/>
           </a:solidFill>
           <a:ln>
             <a:solidFill>
-              <a:schemeClr val="accent3"/>
+              <a:schemeClr val="bg1"/>
             </a:solidFill>
           </a:ln>
         </p:spPr>
@@ -3779,6 +3773,7 @@
         <p:nvCxnSpPr>
           <p:cNvPr id="40" name="Elbow Connector 63"/>
           <p:cNvCxnSpPr>
+            <a:cxnSpLocks/>
             <a:stCxn id="39" idx="2"/>
             <a:endCxn id="3" idx="1"/>
           </p:cNvCxnSpPr>
@@ -3786,15 +3781,15 @@
         </p:nvCxnSpPr>
         <p:spPr>
           <a:xfrm rot="16200000" flipH="1">
-            <a:off x="2393229" y="2890922"/>
-            <a:ext cx="222196" cy="176402"/>
+            <a:off x="2731328" y="2529103"/>
+            <a:ext cx="205267" cy="275678"/>
           </a:xfrm>
           <a:prstGeom prst="bentConnector2">
             <a:avLst/>
           </a:prstGeom>
           <a:ln w="19050">
             <a:solidFill>
-              <a:schemeClr val="accent3"/>
+              <a:schemeClr val="bg1"/>
             </a:solidFill>
             <a:headEnd type="none" w="med" len="med"/>
             <a:tailEnd type="arrow" w="med" len="med"/>
@@ -3824,18 +3819,21 @@
         </p:nvSpPr>
         <p:spPr>
           <a:xfrm rot="16200000">
-            <a:off x="956202" y="2861202"/>
+            <a:off x="1012688" y="2180211"/>
             <a:ext cx="1093635" cy="346760"/>
           </a:xfrm>
           <a:prstGeom prst="rect">
             <a:avLst/>
           </a:prstGeom>
           <a:solidFill>
-            <a:srgbClr val="00B050"/>
+            <a:schemeClr val="bg1"/>
           </a:solidFill>
           <a:ln w="19050">
             <a:solidFill>
-              <a:srgbClr val="00B050"/>
+              <a:schemeClr val="tx1">
+                <a:lumMod val="50000"/>
+                <a:lumOff val="50000"/>
+              </a:schemeClr>
             </a:solidFill>
           </a:ln>
           <a:effectLst/>
@@ -3860,9 +3858,9 @@
           <a:p>
             <a:pPr algn="ctr"/>
             <a:r>
-              <a:rPr lang="en-US" sz="1050" dirty="0">
+              <a:rPr lang="en-US" sz="1050" b="1" dirty="0">
                 <a:solidFill>
-                  <a:schemeClr val="bg1"/>
+                  <a:schemeClr val="tx1"/>
                 </a:solidFill>
               </a:rPr>
               <a:t>&lt;&lt;interface&gt;&gt;</a:t>
@@ -3871,16 +3869,16 @@
           <a:p>
             <a:pPr algn="ctr"/>
             <a:r>
-              <a:rPr lang="en-US" sz="1050" dirty="0">
+              <a:rPr lang="en-US" sz="1050" b="1" dirty="0">
                 <a:solidFill>
-                  <a:schemeClr val="bg1"/>
+                  <a:schemeClr val="tx1"/>
                 </a:solidFill>
               </a:rPr>
               <a:t>Security</a:t>
             </a:r>
-            <a:endParaRPr lang="en-SG" sz="1050" dirty="0">
+            <a:endParaRPr lang="en-SG" sz="1050" b="1" dirty="0">
               <a:solidFill>
-                <a:schemeClr val="bg1"/>
+                <a:schemeClr val="tx1"/>
               </a:solidFill>
             </a:endParaRPr>
           </a:p>
@@ -3893,16 +3891,21 @@
           <p:nvPr/>
         </p:nvSpPr>
         <p:spPr>
-          <a:xfrm flipV="1">
-            <a:off x="1367767" y="2286001"/>
+          <a:xfrm rot="5400000" flipV="1">
+            <a:off x="1717942" y="1800091"/>
             <a:ext cx="270504" cy="175523"/>
           </a:xfrm>
           <a:prstGeom prst="triangle">
             <a:avLst/>
           </a:prstGeom>
+          <a:solidFill>
+            <a:schemeClr val="bg1"/>
+          </a:solidFill>
           <a:ln w="19050">
             <a:solidFill>
-              <a:srgbClr val="00B050"/>
+              <a:schemeClr val="bg1">
+                <a:lumMod val="95000"/>
+              </a:schemeClr>
             </a:solidFill>
           </a:ln>
           <a:effectLst/>
@@ -3946,17 +3949,15 @@
         </p:nvCxnSpPr>
         <p:spPr>
           <a:xfrm rot="16200000" flipV="1">
-            <a:off x="2045284" y="1743737"/>
-            <a:ext cx="55219" cy="1139747"/>
+            <a:off x="2280200" y="1548610"/>
+            <a:ext cx="127587" cy="806073"/>
           </a:xfrm>
-          <a:prstGeom prst="bentConnector3">
-            <a:avLst>
-              <a:gd name="adj1" fmla="val 513988"/>
-            </a:avLst>
+          <a:prstGeom prst="bentConnector2">
+            <a:avLst/>
           </a:prstGeom>
           <a:ln w="19050">
             <a:solidFill>
-              <a:srgbClr val="00B050"/>
+              <a:schemeClr val="bg1"/>
             </a:solidFill>
             <a:prstDash val="sysDot"/>
             <a:headEnd type="none" w="med" len="med"/>
@@ -3979,33 +3980,146 @@
           </a:fontRef>
         </p:style>
       </p:cxnSp>
-      <p:sp>
-        <p:nvSpPr>
-          <p:cNvPr id="143" name="Rectangle 142"/>
+      <p:cxnSp>
+        <p:nvCxnSpPr>
+          <p:cNvPr id="16" name="Straight Arrow Connector 15">
+            <a:extLst>
+              <a:ext uri="{FF2B5EF4-FFF2-40B4-BE49-F238E27FC236}">
+                <a16:creationId xmlns:a16="http://schemas.microsoft.com/office/drawing/2014/main" id="{FA70BAD1-F2AB-4C0A-942D-02C0ABA8D6AA}"/>
+              </a:ext>
+            </a:extLst>
+          </p:cNvPr>
+          <p:cNvCxnSpPr>
+            <a:cxnSpLocks/>
+            <a:stCxn id="2" idx="3"/>
+          </p:cNvCxnSpPr>
+          <p:nvPr/>
+        </p:nvCxnSpPr>
+        <p:spPr>
+          <a:xfrm>
+            <a:off x="3356629" y="2188820"/>
+            <a:ext cx="2712036" cy="0"/>
+          </a:xfrm>
+          <a:prstGeom prst="straightConnector1">
+            <a:avLst/>
+          </a:prstGeom>
+          <a:ln>
+            <a:solidFill>
+              <a:schemeClr val="bg1">
+                <a:lumMod val="50000"/>
+              </a:schemeClr>
+            </a:solidFill>
+            <a:tailEnd type="triangle"/>
+          </a:ln>
+        </p:spPr>
+        <p:style>
+          <a:lnRef idx="1">
+            <a:schemeClr val="accent1"/>
+          </a:lnRef>
+          <a:fillRef idx="0">
+            <a:schemeClr val="accent1"/>
+          </a:fillRef>
+          <a:effectRef idx="0">
+            <a:schemeClr val="accent1"/>
+          </a:effectRef>
+          <a:fontRef idx="minor">
+            <a:schemeClr val="tx1"/>
+          </a:fontRef>
+        </p:style>
+      </p:cxnSp>
+      <p:sp>
+        <p:nvSpPr>
+          <p:cNvPr id="34" name="Rectangle 11">
+            <a:extLst>
+              <a:ext uri="{FF2B5EF4-FFF2-40B4-BE49-F238E27FC236}">
+                <a16:creationId xmlns:a16="http://schemas.microsoft.com/office/drawing/2014/main" id="{80A00CC0-C767-4D9F-A58D-96D437983300}"/>
+              </a:ext>
+            </a:extLst>
+          </p:cNvPr>
           <p:cNvSpPr/>
           <p:nvPr/>
         </p:nvSpPr>
         <p:spPr>
           <a:xfrm>
-            <a:off x="5435896" y="2743200"/>
-            <a:ext cx="229325" cy="166560"/>
+            <a:off x="2971800" y="3505200"/>
+            <a:ext cx="1387737" cy="236841"/>
           </a:xfrm>
           <a:prstGeom prst="rect">
             <a:avLst/>
           </a:prstGeom>
           <a:solidFill>
-            <a:schemeClr val="accent3">
-              <a:lumMod val="20000"/>
-              <a:lumOff val="80000"/>
-              <a:alpha val="80000"/>
-            </a:schemeClr>
+            <a:schemeClr val="bg1"/>
+          </a:solidFill>
+          <a:ln w="19050">
+            <a:solidFill>
+              <a:schemeClr val="bg1"/>
+            </a:solidFill>
+          </a:ln>
+          <a:effectLst/>
+        </p:spPr>
+        <p:style>
+          <a:lnRef idx="1">
+            <a:schemeClr val="accent3"/>
+          </a:lnRef>
+          <a:fillRef idx="2">
+            <a:schemeClr val="accent3"/>
+          </a:fillRef>
+          <a:effectRef idx="1">
+            <a:schemeClr val="accent3"/>
+          </a:effectRef>
+          <a:fontRef idx="minor">
+            <a:schemeClr val="dk1"/>
+          </a:fontRef>
+        </p:style>
+        <p:txBody>
+          <a:bodyPr rtlCol="0" anchor="ctr"/>
+          <a:lstStyle/>
+          <a:p>
+            <a:pPr algn="ctr"/>
+            <a:r>
+              <a:rPr lang="en-US" sz="1050" b="1" dirty="0" err="1">
+                <a:solidFill>
+                  <a:schemeClr val="tx1"/>
+                </a:solidFill>
+              </a:rPr>
+              <a:t>AccountCredentials</a:t>
+            </a:r>
+            <a:endParaRPr lang="en-SG" sz="1050" b="1" dirty="0">
+              <a:solidFill>
+                <a:schemeClr val="tx1"/>
+              </a:solidFill>
+            </a:endParaRPr>
+          </a:p>
+        </p:txBody>
+      </p:sp>
+      <p:sp>
+        <p:nvSpPr>
+          <p:cNvPr id="37" name="Flowchart: Decision 36">
+            <a:extLst>
+              <a:ext uri="{FF2B5EF4-FFF2-40B4-BE49-F238E27FC236}">
+                <a16:creationId xmlns:a16="http://schemas.microsoft.com/office/drawing/2014/main" id="{E3F43484-D250-4AB4-96F3-DBA61D707A20}"/>
+              </a:ext>
+            </a:extLst>
+          </p:cNvPr>
+          <p:cNvSpPr/>
+          <p:nvPr/>
+        </p:nvSpPr>
+        <p:spPr>
+          <a:xfrm>
+            <a:off x="3581400" y="2927497"/>
+            <a:ext cx="183156" cy="161573"/>
+          </a:xfrm>
+          <a:prstGeom prst="flowChartDecision">
+            <a:avLst/>
+          </a:prstGeom>
+          <a:solidFill>
+            <a:schemeClr val="bg1"/>
           </a:solidFill>
           <a:ln>
-            <a:noFill/>
+            <a:solidFill>
+              <a:schemeClr val="bg1"/>
+            </a:solidFill>
           </a:ln>
-          <a:effectLst>
-            <a:softEdge rad="31750"/>
-          </a:effectLst>
         </p:spPr>
         <p:style>
           <a:lnRef idx="2">
@@ -4028,64 +4142,39 @@
           <a:lstStyle/>
           <a:p>
             <a:pPr algn="ctr"/>
-            <a:endParaRPr lang="en-SG"/>
-          </a:p>
-        </p:txBody>
-      </p:sp>
-      <p:sp>
-        <p:nvSpPr>
-          <p:cNvPr id="116" name="Freeform 115"/>
-          <p:cNvSpPr/>
+            <a:endParaRPr lang="en-SG" dirty="0"/>
+          </a:p>
+        </p:txBody>
+      </p:sp>
+      <p:cxnSp>
+        <p:nvCxnSpPr>
+          <p:cNvPr id="38" name="Elbow Connector 63">
+            <a:extLst>
+              <a:ext uri="{FF2B5EF4-FFF2-40B4-BE49-F238E27FC236}">
+                <a16:creationId xmlns:a16="http://schemas.microsoft.com/office/drawing/2014/main" id="{C8838B1B-8F71-4570-9FC3-541737D6964A}"/>
+              </a:ext>
+            </a:extLst>
+          </p:cNvPr>
+          <p:cNvCxnSpPr>
+            <a:cxnSpLocks/>
+            <a:stCxn id="37" idx="2"/>
+          </p:cNvCxnSpPr>
           <p:nvPr/>
-        </p:nvSpPr>
+        </p:nvCxnSpPr>
         <p:spPr>
-          <a:xfrm>
-            <a:off x="3687515" y="2828802"/>
-            <a:ext cx="3048000" cy="203200"/>
+          <a:xfrm rot="16200000" flipH="1">
+            <a:off x="3469806" y="3292241"/>
+            <a:ext cx="406346" cy="3"/>
           </a:xfrm>
-          <a:custGeom>
-            <a:avLst/>
-            <a:gdLst>
-              <a:gd name="connsiteX0" fmla="*/ 0 w 3048000"/>
-              <a:gd name="connsiteY0" fmla="*/ 203200 h 203200"/>
-              <a:gd name="connsiteX1" fmla="*/ 221673 w 3048000"/>
-              <a:gd name="connsiteY1" fmla="*/ 0 h 203200"/>
-              <a:gd name="connsiteX2" fmla="*/ 3048000 w 3048000"/>
-              <a:gd name="connsiteY2" fmla="*/ 0 h 203200"/>
-            </a:gdLst>
-            <a:ahLst/>
-            <a:cxnLst>
-              <a:cxn ang="0">
-                <a:pos x="connsiteX0" y="connsiteY0"/>
-              </a:cxn>
-              <a:cxn ang="0">
-                <a:pos x="connsiteX1" y="connsiteY1"/>
-              </a:cxn>
-              <a:cxn ang="0">
-                <a:pos x="connsiteX2" y="connsiteY2"/>
-              </a:cxn>
-            </a:cxnLst>
-            <a:rect l="l" t="t" r="r" b="b"/>
-            <a:pathLst>
-              <a:path w="3048000" h="203200">
-                <a:moveTo>
-                  <a:pt x="0" y="203200"/>
-                </a:moveTo>
-                <a:lnTo>
-                  <a:pt x="221673" y="0"/>
-                </a:lnTo>
-                <a:lnTo>
-                  <a:pt x="3048000" y="0"/>
-                </a:lnTo>
-              </a:path>
-            </a:pathLst>
-          </a:custGeom>
-          <a:noFill/>
+          <a:prstGeom prst="bentConnector3">
+            <a:avLst>
+              <a:gd name="adj1" fmla="val 50000"/>
+            </a:avLst>
+          </a:prstGeom>
           <a:ln w="19050">
             <a:solidFill>
-              <a:schemeClr val="accent3"/>
+              <a:schemeClr val="bg1"/>
             </a:solidFill>
-            <a:prstDash val="solid"/>
             <a:headEnd type="none" w="med" len="med"/>
             <a:tailEnd type="arrow" w="med" len="med"/>
           </a:ln>
@@ -4105,15 +4194,7 @@
             <a:schemeClr val="dk1"/>
           </a:fontRef>
         </p:style>
-        <p:txBody>
-          <a:bodyPr rtlCol="0" anchor="ctr"/>
-          <a:lstStyle/>
-          <a:p>
-            <a:pPr algn="ctr"/>
-            <a:endParaRPr lang="en-SG"/>
-          </a:p>
-        </p:txBody>
-      </p:sp>
+      </p:cxnSp>
     </p:spTree>
     <p:extLst>
       <p:ext uri="{BB962C8B-B14F-4D97-AF65-F5344CB8AC3E}">
